--- a/PPTs/L3-Exercises.pptx
+++ b/PPTs/L3-Exercises.pptx
@@ -225,14 +225,14 @@
           <a:effectLst/>
           <a:extLst>
             <a:ext uri="{909E8E84-426E-40dd-AFC4-6F175D3DCCD1}">
-              <a14:hiddenFill xmlns="" xmlns:a14="http://schemas.microsoft.com/office/drawing/2010/main">
+              <a14:hiddenFill xmlns:a14="http://schemas.microsoft.com/office/drawing/2010/main" xmlns="">
                 <a:solidFill>
                   <a:schemeClr val="bg1"/>
                 </a:solidFill>
               </a14:hiddenFill>
             </a:ext>
             <a:ext uri="{91240B29-F687-4f45-9708-019B960494DF}">
-              <a14:hiddenLine xmlns="" xmlns:a14="http://schemas.microsoft.com/office/drawing/2010/main" w="12700">
+              <a14:hiddenLine xmlns:a14="http://schemas.microsoft.com/office/drawing/2010/main" xmlns="" w="12700">
                 <a:pattFill prst="narHorz">
                   <a:fgClr>
                     <a:schemeClr val="tx1"/>
@@ -247,7 +247,7 @@
               </a14:hiddenLine>
             </a:ext>
             <a:ext uri="{AF507438-7753-43e0-B8FC-AC1667EBCBE1}">
-              <a14:hiddenEffects xmlns="" xmlns:a14="http://schemas.microsoft.com/office/drawing/2010/main">
+              <a14:hiddenEffects xmlns:a14="http://schemas.microsoft.com/office/drawing/2010/main" xmlns="">
                 <a:effectLst>
                   <a:outerShdw dist="35921" dir="2700000" algn="ctr" rotWithShape="0">
                     <a:schemeClr val="bg2"/>
@@ -353,14 +353,14 @@
           <a:effectLst/>
           <a:extLst>
             <a:ext uri="{909E8E84-426E-40dd-AFC4-6F175D3DCCD1}">
-              <a14:hiddenFill xmlns="" xmlns:a14="http://schemas.microsoft.com/office/drawing/2010/main">
+              <a14:hiddenFill xmlns:a14="http://schemas.microsoft.com/office/drawing/2010/main" xmlns="">
                 <a:solidFill>
                   <a:schemeClr val="bg1"/>
                 </a:solidFill>
               </a14:hiddenFill>
             </a:ext>
             <a:ext uri="{91240B29-F687-4f45-9708-019B960494DF}">
-              <a14:hiddenLine xmlns="" xmlns:a14="http://schemas.microsoft.com/office/drawing/2010/main" w="12700">
+              <a14:hiddenLine xmlns:a14="http://schemas.microsoft.com/office/drawing/2010/main" xmlns="" w="12700">
                 <a:pattFill prst="narHorz">
                   <a:fgClr>
                     <a:schemeClr val="tx1"/>
@@ -375,7 +375,7 @@
               </a14:hiddenLine>
             </a:ext>
             <a:ext uri="{AF507438-7753-43e0-B8FC-AC1667EBCBE1}">
-              <a14:hiddenEffects xmlns="" xmlns:a14="http://schemas.microsoft.com/office/drawing/2010/main">
+              <a14:hiddenEffects xmlns:a14="http://schemas.microsoft.com/office/drawing/2010/main" xmlns="">
                 <a:effectLst>
                   <a:outerShdw dist="35921" dir="2700000" algn="ctr" rotWithShape="0">
                     <a:schemeClr val="bg2"/>
@@ -443,17 +443,17 @@
           <a:effectLst/>
           <a:extLst>
             <a:ext uri="{FAA26D3D-D897-4be2-8F04-BA451C77F1D7}">
-              <ma14:placeholderFlag xmlns="" xmlns:ma14="http://schemas.microsoft.com/office/mac/drawingml/2011/main" val="1"/>
+              <ma14:placeholderFlag xmlns:ma14="http://schemas.microsoft.com/office/mac/drawingml/2011/main" xmlns="" val="1"/>
             </a:ext>
             <a:ext uri="{909E8E84-426E-40dd-AFC4-6F175D3DCCD1}">
-              <a14:hiddenFill xmlns="" xmlns:a14="http://schemas.microsoft.com/office/drawing/2010/main">
+              <a14:hiddenFill xmlns:a14="http://schemas.microsoft.com/office/drawing/2010/main" xmlns="">
                 <a:solidFill>
                   <a:srgbClr val="FFFFFF"/>
                 </a:solidFill>
               </a14:hiddenFill>
             </a:ext>
             <a:ext uri="{AF507438-7753-43e0-B8FC-AC1667EBCBE1}">
-              <a14:hiddenEffects xmlns="" xmlns:a14="http://schemas.microsoft.com/office/drawing/2010/main">
+              <a14:hiddenEffects xmlns:a14="http://schemas.microsoft.com/office/drawing/2010/main" xmlns="">
                 <a:effectLst>
                   <a:outerShdw blurRad="63500" dist="38099" dir="2700000" algn="ctr" rotWithShape="0">
                     <a:srgbClr val="000000">
@@ -464,7 +464,7 @@
               </a14:hiddenEffects>
             </a:ext>
             <a:ext uri="{53640926-AAD7-44d8-BBD7-CCE9431645EC}">
-              <a14:shadowObscured xmlns="" xmlns:a14="http://schemas.microsoft.com/office/drawing/2010/main" val="1"/>
+              <a14:shadowObscured xmlns:a14="http://schemas.microsoft.com/office/drawing/2010/main" xmlns="" val="1"/>
             </a:ext>
           </a:extLst>
         </p:spPr>
@@ -494,14 +494,14 @@
           <a:effectLst/>
           <a:extLst>
             <a:ext uri="{909E8E84-426E-40dd-AFC4-6F175D3DCCD1}">
-              <a14:hiddenFill xmlns="" xmlns:a14="http://schemas.microsoft.com/office/drawing/2010/main">
+              <a14:hiddenFill xmlns:a14="http://schemas.microsoft.com/office/drawing/2010/main" xmlns="">
                 <a:solidFill>
                   <a:schemeClr val="bg1"/>
                 </a:solidFill>
               </a14:hiddenFill>
             </a:ext>
             <a:ext uri="{91240B29-F687-4f45-9708-019B960494DF}">
-              <a14:hiddenLine xmlns="" xmlns:a14="http://schemas.microsoft.com/office/drawing/2010/main" w="12700">
+              <a14:hiddenLine xmlns:a14="http://schemas.microsoft.com/office/drawing/2010/main" xmlns="" w="12700">
                 <a:pattFill prst="narHorz">
                   <a:fgClr>
                     <a:schemeClr val="tx1"/>
@@ -516,7 +516,7 @@
               </a14:hiddenLine>
             </a:ext>
             <a:ext uri="{AF507438-7753-43e0-B8FC-AC1667EBCBE1}">
-              <a14:hiddenEffects xmlns="" xmlns:a14="http://schemas.microsoft.com/office/drawing/2010/main">
+              <a14:hiddenEffects xmlns:a14="http://schemas.microsoft.com/office/drawing/2010/main" xmlns="">
                 <a:effectLst>
                   <a:outerShdw dist="35921" dir="2700000" algn="ctr" rotWithShape="0">
                     <a:schemeClr val="bg2"/>
@@ -766,10 +766,10 @@
         <p:spPr>
           <a:extLst>
             <a:ext uri="{FAA26D3D-D897-4be2-8F04-BA451C77F1D7}">
-              <ma14:placeholderFlag xmlns="" xmlns:ma14="http://schemas.microsoft.com/office/mac/drawingml/2011/main" val="1"/>
+              <ma14:placeholderFlag xmlns:ma14="http://schemas.microsoft.com/office/mac/drawingml/2011/main" xmlns="" val="1"/>
             </a:ext>
             <a:ext uri="{AF507438-7753-43e0-B8FC-AC1667EBCBE1}">
-              <a14:hiddenEffects xmlns="" xmlns:a14="http://schemas.microsoft.com/office/drawing/2010/main">
+              <a14:hiddenEffects xmlns:a14="http://schemas.microsoft.com/office/drawing/2010/main" xmlns="">
                 <a:effectLst>
                   <a:outerShdw blurRad="63500" dist="38099" dir="2700000" algn="ctr" rotWithShape="0">
                     <a:schemeClr val="bg2">
@@ -5606,17 +5606,17 @@
           <a:effectLst/>
           <a:extLst>
             <a:ext uri="{FAA26D3D-D897-4be2-8F04-BA451C77F1D7}">
-              <ma14:placeholderFlag xmlns="" xmlns:ma14="http://schemas.microsoft.com/office/mac/drawingml/2011/main" val="1"/>
+              <ma14:placeholderFlag xmlns:ma14="http://schemas.microsoft.com/office/mac/drawingml/2011/main" xmlns="" val="1"/>
             </a:ext>
             <a:ext uri="{909E8E84-426E-40dd-AFC4-6F175D3DCCD1}">
-              <a14:hiddenFill xmlns="" xmlns:a14="http://schemas.microsoft.com/office/drawing/2010/main">
+              <a14:hiddenFill xmlns:a14="http://schemas.microsoft.com/office/drawing/2010/main" xmlns="">
                 <a:solidFill>
                   <a:schemeClr val="bg1"/>
                 </a:solidFill>
               </a14:hiddenFill>
             </a:ext>
             <a:ext uri="{91240B29-F687-4f45-9708-019B960494DF}">
-              <a14:hiddenLine xmlns="" xmlns:a14="http://schemas.microsoft.com/office/drawing/2010/main" w="12700">
+              <a14:hiddenLine xmlns:a14="http://schemas.microsoft.com/office/drawing/2010/main" xmlns="" w="12700">
                 <a:pattFill prst="narHorz">
                   <a:fgClr>
                     <a:schemeClr val="tx1"/>
@@ -5631,7 +5631,7 @@
               </a14:hiddenLine>
             </a:ext>
             <a:ext uri="{AF507438-7753-43e0-B8FC-AC1667EBCBE1}">
-              <a14:hiddenEffects xmlns="" xmlns:a14="http://schemas.microsoft.com/office/drawing/2010/main">
+              <a14:hiddenEffects xmlns:a14="http://schemas.microsoft.com/office/drawing/2010/main" xmlns="">
                 <a:effectLst>
                   <a:outerShdw blurRad="63500" dist="38099" dir="2700000" algn="ctr" rotWithShape="0">
                     <a:schemeClr val="bg2">
@@ -5684,17 +5684,17 @@
           <a:effectLst/>
           <a:extLst>
             <a:ext uri="{FAA26D3D-D897-4be2-8F04-BA451C77F1D7}">
-              <ma14:placeholderFlag xmlns="" xmlns:ma14="http://schemas.microsoft.com/office/mac/drawingml/2011/main" val="1"/>
+              <ma14:placeholderFlag xmlns:ma14="http://schemas.microsoft.com/office/mac/drawingml/2011/main" xmlns="" val="1"/>
             </a:ext>
             <a:ext uri="{909E8E84-426E-40dd-AFC4-6F175D3DCCD1}">
-              <a14:hiddenFill xmlns="" xmlns:a14="http://schemas.microsoft.com/office/drawing/2010/main">
+              <a14:hiddenFill xmlns:a14="http://schemas.microsoft.com/office/drawing/2010/main" xmlns="">
                 <a:solidFill>
                   <a:schemeClr val="bg1"/>
                 </a:solidFill>
               </a14:hiddenFill>
             </a:ext>
             <a:ext uri="{91240B29-F687-4f45-9708-019B960494DF}">
-              <a14:hiddenLine xmlns="" xmlns:a14="http://schemas.microsoft.com/office/drawing/2010/main" w="12700">
+              <a14:hiddenLine xmlns:a14="http://schemas.microsoft.com/office/drawing/2010/main" xmlns="" w="12700">
                 <a:pattFill prst="narHorz">
                   <a:fgClr>
                     <a:schemeClr val="tx1"/>
@@ -5709,7 +5709,7 @@
               </a14:hiddenLine>
             </a:ext>
             <a:ext uri="{AF507438-7753-43e0-B8FC-AC1667EBCBE1}">
-              <a14:hiddenEffects xmlns="" xmlns:a14="http://schemas.microsoft.com/office/drawing/2010/main">
+              <a14:hiddenEffects xmlns:a14="http://schemas.microsoft.com/office/drawing/2010/main" xmlns="">
                 <a:effectLst>
                   <a:outerShdw blurRad="63500" dist="38099" dir="2700000" algn="ctr" rotWithShape="0">
                     <a:schemeClr val="bg2">
@@ -5793,12 +5793,12 @@
           <a:effectLst/>
           <a:extLst>
             <a:ext uri="{909E8E84-426E-40dd-AFC4-6F175D3DCCD1}">
-              <a14:hiddenFill xmlns="" xmlns:a14="http://schemas.microsoft.com/office/drawing/2010/main">
+              <a14:hiddenFill xmlns:a14="http://schemas.microsoft.com/office/drawing/2010/main" xmlns="">
                 <a:noFill/>
               </a14:hiddenFill>
             </a:ext>
             <a:ext uri="{AF507438-7753-43e0-B8FC-AC1667EBCBE1}">
-              <a14:hiddenEffects xmlns="" xmlns:a14="http://schemas.microsoft.com/office/drawing/2010/main">
+              <a14:hiddenEffects xmlns:a14="http://schemas.microsoft.com/office/drawing/2010/main" xmlns="">
                 <a:effectLst>
                   <a:outerShdw blurRad="63500" dist="38099" dir="2700000" algn="ctr" rotWithShape="0">
                     <a:schemeClr val="bg2">
@@ -9162,17 +9162,17 @@
           <a:effectLst/>
           <a:extLst>
             <a:ext uri="{FAA26D3D-D897-4be2-8F04-BA451C77F1D7}">
-              <ma14:placeholderFlag xmlns="" xmlns:ma14="http://schemas.microsoft.com/office/mac/drawingml/2011/main" val="1"/>
+              <ma14:placeholderFlag xmlns:ma14="http://schemas.microsoft.com/office/mac/drawingml/2011/main" xmlns="" val="1"/>
             </a:ext>
             <a:ext uri="{909E8E84-426E-40dd-AFC4-6F175D3DCCD1}">
-              <a14:hiddenFill xmlns="" xmlns:a14="http://schemas.microsoft.com/office/drawing/2010/main">
+              <a14:hiddenFill xmlns:a14="http://schemas.microsoft.com/office/drawing/2010/main" xmlns="">
                 <a:solidFill>
                   <a:schemeClr val="bg1"/>
                 </a:solidFill>
               </a14:hiddenFill>
             </a:ext>
             <a:ext uri="{91240B29-F687-4f45-9708-019B960494DF}">
-              <a14:hiddenLine xmlns="" xmlns:a14="http://schemas.microsoft.com/office/drawing/2010/main" w="12700">
+              <a14:hiddenLine xmlns:a14="http://schemas.microsoft.com/office/drawing/2010/main" xmlns="" w="12700">
                 <a:pattFill prst="narHorz">
                   <a:fgClr>
                     <a:schemeClr val="tx1"/>
@@ -9187,7 +9187,7 @@
               </a14:hiddenLine>
             </a:ext>
             <a:ext uri="{AF507438-7753-43e0-B8FC-AC1667EBCBE1}">
-              <a14:hiddenEffects xmlns="" xmlns:a14="http://schemas.microsoft.com/office/drawing/2010/main">
+              <a14:hiddenEffects xmlns:a14="http://schemas.microsoft.com/office/drawing/2010/main" xmlns="">
                 <a:effectLst>
                   <a:outerShdw blurRad="63500" dist="38099" dir="2700000" algn="ctr" rotWithShape="0">
                     <a:schemeClr val="bg2">
@@ -12152,17 +12152,17 @@
           <a:effectLst/>
           <a:extLst>
             <a:ext uri="{FAA26D3D-D897-4be2-8F04-BA451C77F1D7}">
-              <ma14:placeholderFlag xmlns="" xmlns:ma14="http://schemas.microsoft.com/office/mac/drawingml/2011/main" val="1"/>
+              <ma14:placeholderFlag xmlns:ma14="http://schemas.microsoft.com/office/mac/drawingml/2011/main" xmlns="" val="1"/>
             </a:ext>
             <a:ext uri="{909E8E84-426E-40dd-AFC4-6F175D3DCCD1}">
-              <a14:hiddenFill xmlns="" xmlns:a14="http://schemas.microsoft.com/office/drawing/2010/main">
+              <a14:hiddenFill xmlns:a14="http://schemas.microsoft.com/office/drawing/2010/main" xmlns="">
                 <a:solidFill>
                   <a:schemeClr val="bg1"/>
                 </a:solidFill>
               </a14:hiddenFill>
             </a:ext>
             <a:ext uri="{91240B29-F687-4f45-9708-019B960494DF}">
-              <a14:hiddenLine xmlns="" xmlns:a14="http://schemas.microsoft.com/office/drawing/2010/main" w="12700">
+              <a14:hiddenLine xmlns:a14="http://schemas.microsoft.com/office/drawing/2010/main" xmlns="" w="12700">
                 <a:pattFill prst="narHorz">
                   <a:fgClr>
                     <a:schemeClr val="tx1"/>
@@ -12177,7 +12177,7 @@
               </a14:hiddenLine>
             </a:ext>
             <a:ext uri="{AF507438-7753-43e0-B8FC-AC1667EBCBE1}">
-              <a14:hiddenEffects xmlns="" xmlns:a14="http://schemas.microsoft.com/office/drawing/2010/main">
+              <a14:hiddenEffects xmlns:a14="http://schemas.microsoft.com/office/drawing/2010/main" xmlns="">
                 <a:effectLst>
                   <a:outerShdw blurRad="63500" dist="38099" dir="2700000" algn="ctr" rotWithShape="0">
                     <a:schemeClr val="bg2">
@@ -14458,17 +14458,17 @@
           <a:effectLst/>
           <a:extLst>
             <a:ext uri="{FAA26D3D-D897-4be2-8F04-BA451C77F1D7}">
-              <ma14:placeholderFlag xmlns="" xmlns:ma14="http://schemas.microsoft.com/office/mac/drawingml/2011/main" val="1"/>
+              <ma14:placeholderFlag xmlns:ma14="http://schemas.microsoft.com/office/mac/drawingml/2011/main" xmlns="" val="1"/>
             </a:ext>
             <a:ext uri="{909E8E84-426E-40dd-AFC4-6F175D3DCCD1}">
-              <a14:hiddenFill xmlns="" xmlns:a14="http://schemas.microsoft.com/office/drawing/2010/main">
+              <a14:hiddenFill xmlns:a14="http://schemas.microsoft.com/office/drawing/2010/main" xmlns="">
                 <a:solidFill>
                   <a:schemeClr val="bg1"/>
                 </a:solidFill>
               </a14:hiddenFill>
             </a:ext>
             <a:ext uri="{91240B29-F687-4f45-9708-019B960494DF}">
-              <a14:hiddenLine xmlns="" xmlns:a14="http://schemas.microsoft.com/office/drawing/2010/main" w="12700">
+              <a14:hiddenLine xmlns:a14="http://schemas.microsoft.com/office/drawing/2010/main" xmlns="" w="12700">
                 <a:pattFill prst="narHorz">
                   <a:fgClr>
                     <a:schemeClr val="tx1"/>
@@ -14483,7 +14483,7 @@
               </a14:hiddenLine>
             </a:ext>
             <a:ext uri="{AF507438-7753-43e0-B8FC-AC1667EBCBE1}">
-              <a14:hiddenEffects xmlns="" xmlns:a14="http://schemas.microsoft.com/office/drawing/2010/main">
+              <a14:hiddenEffects xmlns:a14="http://schemas.microsoft.com/office/drawing/2010/main" xmlns="">
                 <a:effectLst>
                   <a:outerShdw blurRad="63500" dist="38099" dir="2700000" algn="ctr" rotWithShape="0">
                     <a:schemeClr val="bg2">
@@ -14728,17 +14728,17 @@
           <a:effectLst/>
           <a:extLst>
             <a:ext uri="{FAA26D3D-D897-4be2-8F04-BA451C77F1D7}">
-              <ma14:placeholderFlag xmlns="" xmlns:ma14="http://schemas.microsoft.com/office/mac/drawingml/2011/main" val="1"/>
+              <ma14:placeholderFlag xmlns:ma14="http://schemas.microsoft.com/office/mac/drawingml/2011/main" xmlns="" val="1"/>
             </a:ext>
             <a:ext uri="{909E8E84-426E-40dd-AFC4-6F175D3DCCD1}">
-              <a14:hiddenFill xmlns="" xmlns:a14="http://schemas.microsoft.com/office/drawing/2010/main">
+              <a14:hiddenFill xmlns:a14="http://schemas.microsoft.com/office/drawing/2010/main" xmlns="">
                 <a:solidFill>
                   <a:schemeClr val="bg1"/>
                 </a:solidFill>
               </a14:hiddenFill>
             </a:ext>
             <a:ext uri="{91240B29-F687-4f45-9708-019B960494DF}">
-              <a14:hiddenLine xmlns="" xmlns:a14="http://schemas.microsoft.com/office/drawing/2010/main" w="12700">
+              <a14:hiddenLine xmlns:a14="http://schemas.microsoft.com/office/drawing/2010/main" xmlns="" w="12700">
                 <a:pattFill prst="narHorz">
                   <a:fgClr>
                     <a:schemeClr val="tx1"/>
@@ -14753,7 +14753,7 @@
               </a14:hiddenLine>
             </a:ext>
             <a:ext uri="{AF507438-7753-43e0-B8FC-AC1667EBCBE1}">
-              <a14:hiddenEffects xmlns="" xmlns:a14="http://schemas.microsoft.com/office/drawing/2010/main">
+              <a14:hiddenEffects xmlns:a14="http://schemas.microsoft.com/office/drawing/2010/main" xmlns="">
                 <a:effectLst>
                   <a:outerShdw blurRad="63500" dist="38099" dir="2700000" algn="ctr" rotWithShape="0">
                     <a:schemeClr val="bg2">
@@ -14998,17 +14998,17 @@
           <a:effectLst/>
           <a:extLst>
             <a:ext uri="{FAA26D3D-D897-4be2-8F04-BA451C77F1D7}">
-              <ma14:placeholderFlag xmlns="" xmlns:ma14="http://schemas.microsoft.com/office/mac/drawingml/2011/main" val="1"/>
+              <ma14:placeholderFlag xmlns:ma14="http://schemas.microsoft.com/office/mac/drawingml/2011/main" xmlns="" val="1"/>
             </a:ext>
             <a:ext uri="{909E8E84-426E-40dd-AFC4-6F175D3DCCD1}">
-              <a14:hiddenFill xmlns="" xmlns:a14="http://schemas.microsoft.com/office/drawing/2010/main">
+              <a14:hiddenFill xmlns:a14="http://schemas.microsoft.com/office/drawing/2010/main" xmlns="">
                 <a:solidFill>
                   <a:schemeClr val="bg1"/>
                 </a:solidFill>
               </a14:hiddenFill>
             </a:ext>
             <a:ext uri="{91240B29-F687-4f45-9708-019B960494DF}">
-              <a14:hiddenLine xmlns="" xmlns:a14="http://schemas.microsoft.com/office/drawing/2010/main" w="12700">
+              <a14:hiddenLine xmlns:a14="http://schemas.microsoft.com/office/drawing/2010/main" xmlns="" w="12700">
                 <a:pattFill prst="narHorz">
                   <a:fgClr>
                     <a:schemeClr val="tx1"/>
@@ -15023,7 +15023,7 @@
               </a14:hiddenLine>
             </a:ext>
             <a:ext uri="{AF507438-7753-43e0-B8FC-AC1667EBCBE1}">
-              <a14:hiddenEffects xmlns="" xmlns:a14="http://schemas.microsoft.com/office/drawing/2010/main">
+              <a14:hiddenEffects xmlns:a14="http://schemas.microsoft.com/office/drawing/2010/main" xmlns="">
                 <a:effectLst>
                   <a:outerShdw blurRad="63500" dist="38099" dir="2700000" algn="ctr" rotWithShape="0">
                     <a:schemeClr val="bg2">
@@ -30888,17 +30888,17 @@
           <a:effectLst/>
           <a:extLst>
             <a:ext uri="{FAA26D3D-D897-4be2-8F04-BA451C77F1D7}">
-              <ma14:placeholderFlag xmlns="" xmlns:ma14="http://schemas.microsoft.com/office/mac/drawingml/2011/main" val="1"/>
+              <ma14:placeholderFlag xmlns:ma14="http://schemas.microsoft.com/office/mac/drawingml/2011/main" xmlns="" val="1"/>
             </a:ext>
             <a:ext uri="{909E8E84-426E-40dd-AFC4-6F175D3DCCD1}">
-              <a14:hiddenFill xmlns="" xmlns:a14="http://schemas.microsoft.com/office/drawing/2010/main">
+              <a14:hiddenFill xmlns:a14="http://schemas.microsoft.com/office/drawing/2010/main" xmlns="">
                 <a:solidFill>
                   <a:schemeClr val="bg1"/>
                 </a:solidFill>
               </a14:hiddenFill>
             </a:ext>
             <a:ext uri="{91240B29-F687-4f45-9708-019B960494DF}">
-              <a14:hiddenLine xmlns="" xmlns:a14="http://schemas.microsoft.com/office/drawing/2010/main" w="12700">
+              <a14:hiddenLine xmlns:a14="http://schemas.microsoft.com/office/drawing/2010/main" xmlns="" w="12700">
                 <a:pattFill prst="narHorz">
                   <a:fgClr>
                     <a:schemeClr val="tx1"/>
@@ -30913,7 +30913,7 @@
               </a14:hiddenLine>
             </a:ext>
             <a:ext uri="{AF507438-7753-43e0-B8FC-AC1667EBCBE1}">
-              <a14:hiddenEffects xmlns="" xmlns:a14="http://schemas.microsoft.com/office/drawing/2010/main">
+              <a14:hiddenEffects xmlns:a14="http://schemas.microsoft.com/office/drawing/2010/main" xmlns="">
                 <a:effectLst>
                   <a:outerShdw blurRad="63500" dist="38099" dir="2700000" algn="ctr" rotWithShape="0">
                     <a:schemeClr val="bg2">
@@ -31202,17 +31202,17 @@
           <a:effectLst/>
           <a:extLst>
             <a:ext uri="{FAA26D3D-D897-4be2-8F04-BA451C77F1D7}">
-              <ma14:placeholderFlag xmlns="" xmlns:ma14="http://schemas.microsoft.com/office/mac/drawingml/2011/main" val="1"/>
+              <ma14:placeholderFlag xmlns:ma14="http://schemas.microsoft.com/office/mac/drawingml/2011/main" xmlns="" val="1"/>
             </a:ext>
             <a:ext uri="{909E8E84-426E-40dd-AFC4-6F175D3DCCD1}">
-              <a14:hiddenFill xmlns="" xmlns:a14="http://schemas.microsoft.com/office/drawing/2010/main">
+              <a14:hiddenFill xmlns:a14="http://schemas.microsoft.com/office/drawing/2010/main" xmlns="">
                 <a:solidFill>
                   <a:schemeClr val="bg1"/>
                 </a:solidFill>
               </a14:hiddenFill>
             </a:ext>
             <a:ext uri="{91240B29-F687-4f45-9708-019B960494DF}">
-              <a14:hiddenLine xmlns="" xmlns:a14="http://schemas.microsoft.com/office/drawing/2010/main" w="12700">
+              <a14:hiddenLine xmlns:a14="http://schemas.microsoft.com/office/drawing/2010/main" xmlns="" w="12700">
                 <a:pattFill prst="narHorz">
                   <a:fgClr>
                     <a:schemeClr val="tx1"/>
@@ -31227,7 +31227,7 @@
               </a14:hiddenLine>
             </a:ext>
             <a:ext uri="{AF507438-7753-43e0-B8FC-AC1667EBCBE1}">
-              <a14:hiddenEffects xmlns="" xmlns:a14="http://schemas.microsoft.com/office/drawing/2010/main">
+              <a14:hiddenEffects xmlns:a14="http://schemas.microsoft.com/office/drawing/2010/main" xmlns="">
                 <a:effectLst>
                   <a:outerShdw blurRad="63500" dist="38099" dir="2700000" algn="ctr" rotWithShape="0">
                     <a:schemeClr val="bg2">
@@ -31528,17 +31528,17 @@
           <a:effectLst/>
           <a:extLst>
             <a:ext uri="{FAA26D3D-D897-4be2-8F04-BA451C77F1D7}">
-              <ma14:placeholderFlag xmlns="" xmlns:ma14="http://schemas.microsoft.com/office/mac/drawingml/2011/main" val="1"/>
+              <ma14:placeholderFlag xmlns:ma14="http://schemas.microsoft.com/office/mac/drawingml/2011/main" xmlns="" val="1"/>
             </a:ext>
             <a:ext uri="{909E8E84-426E-40dd-AFC4-6F175D3DCCD1}">
-              <a14:hiddenFill xmlns="" xmlns:a14="http://schemas.microsoft.com/office/drawing/2010/main">
+              <a14:hiddenFill xmlns:a14="http://schemas.microsoft.com/office/drawing/2010/main" xmlns="">
                 <a:solidFill>
                   <a:schemeClr val="bg1"/>
                 </a:solidFill>
               </a14:hiddenFill>
             </a:ext>
             <a:ext uri="{91240B29-F687-4f45-9708-019B960494DF}">
-              <a14:hiddenLine xmlns="" xmlns:a14="http://schemas.microsoft.com/office/drawing/2010/main" w="12700">
+              <a14:hiddenLine xmlns:a14="http://schemas.microsoft.com/office/drawing/2010/main" xmlns="" w="12700">
                 <a:pattFill prst="narHorz">
                   <a:fgClr>
                     <a:schemeClr val="tx1"/>
@@ -31553,7 +31553,7 @@
               </a14:hiddenLine>
             </a:ext>
             <a:ext uri="{AF507438-7753-43e0-B8FC-AC1667EBCBE1}">
-              <a14:hiddenEffects xmlns="" xmlns:a14="http://schemas.microsoft.com/office/drawing/2010/main">
+              <a14:hiddenEffects xmlns:a14="http://schemas.microsoft.com/office/drawing/2010/main" xmlns="">
                 <a:effectLst>
                   <a:outerShdw blurRad="63500" dist="38099" dir="2700000" algn="ctr" rotWithShape="0">
                     <a:schemeClr val="bg2">
@@ -31909,17 +31909,17 @@
           <a:effectLst/>
           <a:extLst>
             <a:ext uri="{FAA26D3D-D897-4be2-8F04-BA451C77F1D7}">
-              <ma14:placeholderFlag xmlns="" xmlns:ma14="http://schemas.microsoft.com/office/mac/drawingml/2011/main" val="1"/>
+              <ma14:placeholderFlag xmlns:ma14="http://schemas.microsoft.com/office/mac/drawingml/2011/main" xmlns="" val="1"/>
             </a:ext>
             <a:ext uri="{909E8E84-426E-40dd-AFC4-6F175D3DCCD1}">
-              <a14:hiddenFill xmlns="" xmlns:a14="http://schemas.microsoft.com/office/drawing/2010/main">
+              <a14:hiddenFill xmlns:a14="http://schemas.microsoft.com/office/drawing/2010/main" xmlns="">
                 <a:solidFill>
                   <a:schemeClr val="bg1"/>
                 </a:solidFill>
               </a14:hiddenFill>
             </a:ext>
             <a:ext uri="{91240B29-F687-4f45-9708-019B960494DF}">
-              <a14:hiddenLine xmlns="" xmlns:a14="http://schemas.microsoft.com/office/drawing/2010/main" w="12700">
+              <a14:hiddenLine xmlns:a14="http://schemas.microsoft.com/office/drawing/2010/main" xmlns="" w="12700">
                 <a:pattFill prst="narHorz">
                   <a:fgClr>
                     <a:schemeClr val="tx1"/>
@@ -31934,7 +31934,7 @@
               </a14:hiddenLine>
             </a:ext>
             <a:ext uri="{AF507438-7753-43e0-B8FC-AC1667EBCBE1}">
-              <a14:hiddenEffects xmlns="" xmlns:a14="http://schemas.microsoft.com/office/drawing/2010/main">
+              <a14:hiddenEffects xmlns:a14="http://schemas.microsoft.com/office/drawing/2010/main" xmlns="">
                 <a:effectLst>
                   <a:outerShdw blurRad="63500" dist="38099" dir="2700000" algn="ctr" rotWithShape="0">
                     <a:schemeClr val="bg2">
@@ -32831,17 +32831,17 @@
           <a:effectLst/>
           <a:extLst>
             <a:ext uri="{FAA26D3D-D897-4be2-8F04-BA451C77F1D7}">
-              <ma14:placeholderFlag xmlns="" xmlns:ma14="http://schemas.microsoft.com/office/mac/drawingml/2011/main" val="1"/>
+              <ma14:placeholderFlag xmlns:ma14="http://schemas.microsoft.com/office/mac/drawingml/2011/main" xmlns="" val="1"/>
             </a:ext>
             <a:ext uri="{909E8E84-426E-40dd-AFC4-6F175D3DCCD1}">
-              <a14:hiddenFill xmlns="" xmlns:a14="http://schemas.microsoft.com/office/drawing/2010/main">
+              <a14:hiddenFill xmlns:a14="http://schemas.microsoft.com/office/drawing/2010/main" xmlns="">
                 <a:solidFill>
                   <a:schemeClr val="bg1"/>
                 </a:solidFill>
               </a14:hiddenFill>
             </a:ext>
             <a:ext uri="{91240B29-F687-4f45-9708-019B960494DF}">
-              <a14:hiddenLine xmlns="" xmlns:a14="http://schemas.microsoft.com/office/drawing/2010/main" w="12700">
+              <a14:hiddenLine xmlns:a14="http://schemas.microsoft.com/office/drawing/2010/main" xmlns="" w="12700">
                 <a:pattFill prst="narHorz">
                   <a:fgClr>
                     <a:schemeClr val="tx1"/>
@@ -32856,7 +32856,7 @@
               </a14:hiddenLine>
             </a:ext>
             <a:ext uri="{AF507438-7753-43e0-B8FC-AC1667EBCBE1}">
-              <a14:hiddenEffects xmlns="" xmlns:a14="http://schemas.microsoft.com/office/drawing/2010/main">
+              <a14:hiddenEffects xmlns:a14="http://schemas.microsoft.com/office/drawing/2010/main" xmlns="">
                 <a:effectLst>
                   <a:outerShdw blurRad="63500" dist="38099" dir="2700000" algn="ctr" rotWithShape="0">
                     <a:schemeClr val="bg2">
@@ -33171,17 +33171,17 @@
           <a:effectLst/>
           <a:extLst>
             <a:ext uri="{FAA26D3D-D897-4be2-8F04-BA451C77F1D7}">
-              <ma14:placeholderFlag xmlns="" xmlns:ma14="http://schemas.microsoft.com/office/mac/drawingml/2011/main" val="1"/>
+              <ma14:placeholderFlag xmlns:ma14="http://schemas.microsoft.com/office/mac/drawingml/2011/main" xmlns="" val="1"/>
             </a:ext>
             <a:ext uri="{909E8E84-426E-40dd-AFC4-6F175D3DCCD1}">
-              <a14:hiddenFill xmlns="" xmlns:a14="http://schemas.microsoft.com/office/drawing/2010/main">
+              <a14:hiddenFill xmlns:a14="http://schemas.microsoft.com/office/drawing/2010/main" xmlns="">
                 <a:solidFill>
                   <a:schemeClr val="bg1"/>
                 </a:solidFill>
               </a14:hiddenFill>
             </a:ext>
             <a:ext uri="{91240B29-F687-4f45-9708-019B960494DF}">
-              <a14:hiddenLine xmlns="" xmlns:a14="http://schemas.microsoft.com/office/drawing/2010/main" w="12700">
+              <a14:hiddenLine xmlns:a14="http://schemas.microsoft.com/office/drawing/2010/main" xmlns="" w="12700">
                 <a:pattFill prst="narHorz">
                   <a:fgClr>
                     <a:schemeClr val="tx1"/>
@@ -33196,7 +33196,7 @@
               </a14:hiddenLine>
             </a:ext>
             <a:ext uri="{AF507438-7753-43e0-B8FC-AC1667EBCBE1}">
-              <a14:hiddenEffects xmlns="" xmlns:a14="http://schemas.microsoft.com/office/drawing/2010/main">
+              <a14:hiddenEffects xmlns:a14="http://schemas.microsoft.com/office/drawing/2010/main" xmlns="">
                 <a:effectLst>
                   <a:outerShdw blurRad="63500" dist="38099" dir="2700000" algn="ctr" rotWithShape="0">
                     <a:schemeClr val="bg2">
@@ -33520,17 +33520,17 @@
           <a:effectLst/>
           <a:extLst>
             <a:ext uri="{FAA26D3D-D897-4be2-8F04-BA451C77F1D7}">
-              <ma14:placeholderFlag xmlns="" xmlns:ma14="http://schemas.microsoft.com/office/mac/drawingml/2011/main" val="1"/>
+              <ma14:placeholderFlag xmlns:ma14="http://schemas.microsoft.com/office/mac/drawingml/2011/main" xmlns="" val="1"/>
             </a:ext>
             <a:ext uri="{909E8E84-426E-40dd-AFC4-6F175D3DCCD1}">
-              <a14:hiddenFill xmlns="" xmlns:a14="http://schemas.microsoft.com/office/drawing/2010/main">
+              <a14:hiddenFill xmlns:a14="http://schemas.microsoft.com/office/drawing/2010/main" xmlns="">
                 <a:solidFill>
                   <a:schemeClr val="bg1"/>
                 </a:solidFill>
               </a14:hiddenFill>
             </a:ext>
             <a:ext uri="{91240B29-F687-4f45-9708-019B960494DF}">
-              <a14:hiddenLine xmlns="" xmlns:a14="http://schemas.microsoft.com/office/drawing/2010/main" w="12700">
+              <a14:hiddenLine xmlns:a14="http://schemas.microsoft.com/office/drawing/2010/main" xmlns="" w="12700">
                 <a:pattFill prst="narHorz">
                   <a:fgClr>
                     <a:schemeClr val="tx1"/>
@@ -33545,7 +33545,7 @@
               </a14:hiddenLine>
             </a:ext>
             <a:ext uri="{AF507438-7753-43e0-B8FC-AC1667EBCBE1}">
-              <a14:hiddenEffects xmlns="" xmlns:a14="http://schemas.microsoft.com/office/drawing/2010/main">
+              <a14:hiddenEffects xmlns:a14="http://schemas.microsoft.com/office/drawing/2010/main" xmlns="">
                 <a:effectLst>
                   <a:outerShdw blurRad="63500" dist="38099" dir="2700000" algn="ctr" rotWithShape="0">
                     <a:schemeClr val="bg2">
@@ -33941,17 +33941,17 @@
           <a:effectLst/>
           <a:extLst>
             <a:ext uri="{FAA26D3D-D897-4be2-8F04-BA451C77F1D7}">
-              <ma14:placeholderFlag xmlns="" xmlns:ma14="http://schemas.microsoft.com/office/mac/drawingml/2011/main" val="1"/>
+              <ma14:placeholderFlag xmlns:ma14="http://schemas.microsoft.com/office/mac/drawingml/2011/main" xmlns="" val="1"/>
             </a:ext>
             <a:ext uri="{909E8E84-426E-40dd-AFC4-6F175D3DCCD1}">
-              <a14:hiddenFill xmlns="" xmlns:a14="http://schemas.microsoft.com/office/drawing/2010/main">
+              <a14:hiddenFill xmlns:a14="http://schemas.microsoft.com/office/drawing/2010/main" xmlns="">
                 <a:solidFill>
                   <a:schemeClr val="bg1"/>
                 </a:solidFill>
               </a14:hiddenFill>
             </a:ext>
             <a:ext uri="{91240B29-F687-4f45-9708-019B960494DF}">
-              <a14:hiddenLine xmlns="" xmlns:a14="http://schemas.microsoft.com/office/drawing/2010/main" w="12700">
+              <a14:hiddenLine xmlns:a14="http://schemas.microsoft.com/office/drawing/2010/main" xmlns="" w="12700">
                 <a:pattFill prst="narHorz">
                   <a:fgClr>
                     <a:schemeClr val="tx1"/>
@@ -33966,7 +33966,7 @@
               </a14:hiddenLine>
             </a:ext>
             <a:ext uri="{AF507438-7753-43e0-B8FC-AC1667EBCBE1}">
-              <a14:hiddenEffects xmlns="" xmlns:a14="http://schemas.microsoft.com/office/drawing/2010/main">
+              <a14:hiddenEffects xmlns:a14="http://schemas.microsoft.com/office/drawing/2010/main" xmlns="">
                 <a:effectLst>
                   <a:outerShdw blurRad="63500" dist="38099" dir="2700000" algn="ctr" rotWithShape="0">
                     <a:schemeClr val="bg2">
@@ -34294,17 +34294,17 @@
           <a:effectLst/>
           <a:extLst>
             <a:ext uri="{FAA26D3D-D897-4be2-8F04-BA451C77F1D7}">
-              <ma14:placeholderFlag xmlns="" xmlns:ma14="http://schemas.microsoft.com/office/mac/drawingml/2011/main" val="1"/>
+              <ma14:placeholderFlag xmlns:ma14="http://schemas.microsoft.com/office/mac/drawingml/2011/main" xmlns="" val="1"/>
             </a:ext>
             <a:ext uri="{909E8E84-426E-40dd-AFC4-6F175D3DCCD1}">
-              <a14:hiddenFill xmlns="" xmlns:a14="http://schemas.microsoft.com/office/drawing/2010/main">
+              <a14:hiddenFill xmlns:a14="http://schemas.microsoft.com/office/drawing/2010/main" xmlns="">
                 <a:solidFill>
                   <a:schemeClr val="bg1"/>
                 </a:solidFill>
               </a14:hiddenFill>
             </a:ext>
             <a:ext uri="{91240B29-F687-4f45-9708-019B960494DF}">
-              <a14:hiddenLine xmlns="" xmlns:a14="http://schemas.microsoft.com/office/drawing/2010/main" w="12700">
+              <a14:hiddenLine xmlns:a14="http://schemas.microsoft.com/office/drawing/2010/main" xmlns="" w="12700">
                 <a:pattFill prst="narHorz">
                   <a:fgClr>
                     <a:schemeClr val="tx1"/>
@@ -34319,7 +34319,7 @@
               </a14:hiddenLine>
             </a:ext>
             <a:ext uri="{AF507438-7753-43e0-B8FC-AC1667EBCBE1}">
-              <a14:hiddenEffects xmlns="" xmlns:a14="http://schemas.microsoft.com/office/drawing/2010/main">
+              <a14:hiddenEffects xmlns:a14="http://schemas.microsoft.com/office/drawing/2010/main" xmlns="">
                 <a:effectLst>
                   <a:outerShdw blurRad="63500" dist="38099" dir="2700000" algn="ctr" rotWithShape="0">
                     <a:schemeClr val="bg2">
@@ -34645,17 +34645,17 @@
           <a:effectLst/>
           <a:extLst>
             <a:ext uri="{FAA26D3D-D897-4be2-8F04-BA451C77F1D7}">
-              <ma14:placeholderFlag xmlns="" xmlns:ma14="http://schemas.microsoft.com/office/mac/drawingml/2011/main" val="1"/>
+              <ma14:placeholderFlag xmlns:ma14="http://schemas.microsoft.com/office/mac/drawingml/2011/main" xmlns="" val="1"/>
             </a:ext>
             <a:ext uri="{909E8E84-426E-40dd-AFC4-6F175D3DCCD1}">
-              <a14:hiddenFill xmlns="" xmlns:a14="http://schemas.microsoft.com/office/drawing/2010/main">
+              <a14:hiddenFill xmlns:a14="http://schemas.microsoft.com/office/drawing/2010/main" xmlns="">
                 <a:solidFill>
                   <a:schemeClr val="bg1"/>
                 </a:solidFill>
               </a14:hiddenFill>
             </a:ext>
             <a:ext uri="{91240B29-F687-4f45-9708-019B960494DF}">
-              <a14:hiddenLine xmlns="" xmlns:a14="http://schemas.microsoft.com/office/drawing/2010/main" w="12700">
+              <a14:hiddenLine xmlns:a14="http://schemas.microsoft.com/office/drawing/2010/main" xmlns="" w="12700">
                 <a:pattFill prst="narHorz">
                   <a:fgClr>
                     <a:schemeClr val="tx1"/>
@@ -34670,7 +34670,7 @@
               </a14:hiddenLine>
             </a:ext>
             <a:ext uri="{AF507438-7753-43e0-B8FC-AC1667EBCBE1}">
-              <a14:hiddenEffects xmlns="" xmlns:a14="http://schemas.microsoft.com/office/drawing/2010/main">
+              <a14:hiddenEffects xmlns:a14="http://schemas.microsoft.com/office/drawing/2010/main" xmlns="">
                 <a:effectLst>
                   <a:outerShdw blurRad="63500" dist="38099" dir="2700000" algn="ctr" rotWithShape="0">
                     <a:schemeClr val="bg2">
@@ -35003,17 +35003,17 @@
           <a:effectLst/>
           <a:extLst>
             <a:ext uri="{FAA26D3D-D897-4be2-8F04-BA451C77F1D7}">
-              <ma14:placeholderFlag xmlns="" xmlns:ma14="http://schemas.microsoft.com/office/mac/drawingml/2011/main" val="1"/>
+              <ma14:placeholderFlag xmlns:ma14="http://schemas.microsoft.com/office/mac/drawingml/2011/main" xmlns="" val="1"/>
             </a:ext>
             <a:ext uri="{909E8E84-426E-40dd-AFC4-6F175D3DCCD1}">
-              <a14:hiddenFill xmlns="" xmlns:a14="http://schemas.microsoft.com/office/drawing/2010/main">
+              <a14:hiddenFill xmlns:a14="http://schemas.microsoft.com/office/drawing/2010/main" xmlns="">
                 <a:solidFill>
                   <a:schemeClr val="bg1"/>
                 </a:solidFill>
               </a14:hiddenFill>
             </a:ext>
             <a:ext uri="{91240B29-F687-4f45-9708-019B960494DF}">
-              <a14:hiddenLine xmlns="" xmlns:a14="http://schemas.microsoft.com/office/drawing/2010/main" w="12700">
+              <a14:hiddenLine xmlns:a14="http://schemas.microsoft.com/office/drawing/2010/main" xmlns="" w="12700">
                 <a:pattFill prst="narHorz">
                   <a:fgClr>
                     <a:schemeClr val="tx1"/>
@@ -35028,7 +35028,7 @@
               </a14:hiddenLine>
             </a:ext>
             <a:ext uri="{AF507438-7753-43e0-B8FC-AC1667EBCBE1}">
-              <a14:hiddenEffects xmlns="" xmlns:a14="http://schemas.microsoft.com/office/drawing/2010/main">
+              <a14:hiddenEffects xmlns:a14="http://schemas.microsoft.com/office/drawing/2010/main" xmlns="">
                 <a:effectLst>
                   <a:outerShdw blurRad="63500" dist="38099" dir="2700000" algn="ctr" rotWithShape="0">
                     <a:schemeClr val="bg2">
@@ -35367,17 +35367,17 @@
           <a:effectLst/>
           <a:extLst>
             <a:ext uri="{FAA26D3D-D897-4be2-8F04-BA451C77F1D7}">
-              <ma14:placeholderFlag xmlns="" xmlns:ma14="http://schemas.microsoft.com/office/mac/drawingml/2011/main" val="1"/>
+              <ma14:placeholderFlag xmlns:ma14="http://schemas.microsoft.com/office/mac/drawingml/2011/main" xmlns="" val="1"/>
             </a:ext>
             <a:ext uri="{909E8E84-426E-40dd-AFC4-6F175D3DCCD1}">
-              <a14:hiddenFill xmlns="" xmlns:a14="http://schemas.microsoft.com/office/drawing/2010/main">
+              <a14:hiddenFill xmlns:a14="http://schemas.microsoft.com/office/drawing/2010/main" xmlns="">
                 <a:solidFill>
                   <a:schemeClr val="bg1"/>
                 </a:solidFill>
               </a14:hiddenFill>
             </a:ext>
             <a:ext uri="{91240B29-F687-4f45-9708-019B960494DF}">
-              <a14:hiddenLine xmlns="" xmlns:a14="http://schemas.microsoft.com/office/drawing/2010/main" w="12700">
+              <a14:hiddenLine xmlns:a14="http://schemas.microsoft.com/office/drawing/2010/main" xmlns="" w="12700">
                 <a:pattFill prst="narHorz">
                   <a:fgClr>
                     <a:schemeClr val="tx1"/>
@@ -35392,7 +35392,7 @@
               </a14:hiddenLine>
             </a:ext>
             <a:ext uri="{AF507438-7753-43e0-B8FC-AC1667EBCBE1}">
-              <a14:hiddenEffects xmlns="" xmlns:a14="http://schemas.microsoft.com/office/drawing/2010/main">
+              <a14:hiddenEffects xmlns:a14="http://schemas.microsoft.com/office/drawing/2010/main" xmlns="">
                 <a:effectLst>
                   <a:outerShdw blurRad="63500" dist="38099" dir="2700000" algn="ctr" rotWithShape="0">
                     <a:schemeClr val="bg2">
@@ -35668,17 +35668,17 @@
           <a:effectLst/>
           <a:extLst>
             <a:ext uri="{FAA26D3D-D897-4be2-8F04-BA451C77F1D7}">
-              <ma14:placeholderFlag xmlns="" xmlns:ma14="http://schemas.microsoft.com/office/mac/drawingml/2011/main" val="1"/>
+              <ma14:placeholderFlag xmlns:ma14="http://schemas.microsoft.com/office/mac/drawingml/2011/main" xmlns="" val="1"/>
             </a:ext>
             <a:ext uri="{909E8E84-426E-40dd-AFC4-6F175D3DCCD1}">
-              <a14:hiddenFill xmlns="" xmlns:a14="http://schemas.microsoft.com/office/drawing/2010/main">
+              <a14:hiddenFill xmlns:a14="http://schemas.microsoft.com/office/drawing/2010/main" xmlns="">
                 <a:solidFill>
                   <a:schemeClr val="bg1"/>
                 </a:solidFill>
               </a14:hiddenFill>
             </a:ext>
             <a:ext uri="{91240B29-F687-4f45-9708-019B960494DF}">
-              <a14:hiddenLine xmlns="" xmlns:a14="http://schemas.microsoft.com/office/drawing/2010/main" w="12700">
+              <a14:hiddenLine xmlns:a14="http://schemas.microsoft.com/office/drawing/2010/main" xmlns="" w="12700">
                 <a:pattFill prst="narHorz">
                   <a:fgClr>
                     <a:schemeClr val="tx1"/>
@@ -35693,7 +35693,7 @@
               </a14:hiddenLine>
             </a:ext>
             <a:ext uri="{AF507438-7753-43e0-B8FC-AC1667EBCBE1}">
-              <a14:hiddenEffects xmlns="" xmlns:a14="http://schemas.microsoft.com/office/drawing/2010/main">
+              <a14:hiddenEffects xmlns:a14="http://schemas.microsoft.com/office/drawing/2010/main" xmlns="">
                 <a:effectLst>
                   <a:outerShdw blurRad="63500" dist="38099" dir="2700000" algn="ctr" rotWithShape="0">
                     <a:schemeClr val="bg2">
@@ -36163,17 +36163,17 @@
           <a:effectLst/>
           <a:extLst>
             <a:ext uri="{FAA26D3D-D897-4be2-8F04-BA451C77F1D7}">
-              <ma14:placeholderFlag xmlns="" xmlns:ma14="http://schemas.microsoft.com/office/mac/drawingml/2011/main" val="1"/>
+              <ma14:placeholderFlag xmlns:ma14="http://schemas.microsoft.com/office/mac/drawingml/2011/main" xmlns="" val="1"/>
             </a:ext>
             <a:ext uri="{909E8E84-426E-40dd-AFC4-6F175D3DCCD1}">
-              <a14:hiddenFill xmlns="" xmlns:a14="http://schemas.microsoft.com/office/drawing/2010/main">
+              <a14:hiddenFill xmlns:a14="http://schemas.microsoft.com/office/drawing/2010/main" xmlns="">
                 <a:solidFill>
                   <a:schemeClr val="bg1"/>
                 </a:solidFill>
               </a14:hiddenFill>
             </a:ext>
             <a:ext uri="{91240B29-F687-4f45-9708-019B960494DF}">
-              <a14:hiddenLine xmlns="" xmlns:a14="http://schemas.microsoft.com/office/drawing/2010/main" w="12700">
+              <a14:hiddenLine xmlns:a14="http://schemas.microsoft.com/office/drawing/2010/main" xmlns="" w="12700">
                 <a:pattFill prst="narHorz">
                   <a:fgClr>
                     <a:schemeClr val="tx1"/>
@@ -36188,7 +36188,7 @@
               </a14:hiddenLine>
             </a:ext>
             <a:ext uri="{AF507438-7753-43e0-B8FC-AC1667EBCBE1}">
-              <a14:hiddenEffects xmlns="" xmlns:a14="http://schemas.microsoft.com/office/drawing/2010/main">
+              <a14:hiddenEffects xmlns:a14="http://schemas.microsoft.com/office/drawing/2010/main" xmlns="">
                 <a:effectLst>
                   <a:outerShdw blurRad="63500" dist="38099" dir="2700000" algn="ctr" rotWithShape="0">
                     <a:schemeClr val="bg2">
@@ -36527,17 +36527,17 @@
           <a:effectLst/>
           <a:extLst>
             <a:ext uri="{FAA26D3D-D897-4be2-8F04-BA451C77F1D7}">
-              <ma14:placeholderFlag xmlns="" xmlns:ma14="http://schemas.microsoft.com/office/mac/drawingml/2011/main" val="1"/>
+              <ma14:placeholderFlag xmlns:ma14="http://schemas.microsoft.com/office/mac/drawingml/2011/main" xmlns="" val="1"/>
             </a:ext>
             <a:ext uri="{909E8E84-426E-40dd-AFC4-6F175D3DCCD1}">
-              <a14:hiddenFill xmlns="" xmlns:a14="http://schemas.microsoft.com/office/drawing/2010/main">
+              <a14:hiddenFill xmlns:a14="http://schemas.microsoft.com/office/drawing/2010/main" xmlns="">
                 <a:solidFill>
                   <a:schemeClr val="bg1"/>
                 </a:solidFill>
               </a14:hiddenFill>
             </a:ext>
             <a:ext uri="{91240B29-F687-4f45-9708-019B960494DF}">
-              <a14:hiddenLine xmlns="" xmlns:a14="http://schemas.microsoft.com/office/drawing/2010/main" w="12700">
+              <a14:hiddenLine xmlns:a14="http://schemas.microsoft.com/office/drawing/2010/main" xmlns="" w="12700">
                 <a:pattFill prst="narHorz">
                   <a:fgClr>
                     <a:schemeClr val="tx1"/>
@@ -36552,7 +36552,7 @@
               </a14:hiddenLine>
             </a:ext>
             <a:ext uri="{AF507438-7753-43e0-B8FC-AC1667EBCBE1}">
-              <a14:hiddenEffects xmlns="" xmlns:a14="http://schemas.microsoft.com/office/drawing/2010/main">
+              <a14:hiddenEffects xmlns:a14="http://schemas.microsoft.com/office/drawing/2010/main" xmlns="">
                 <a:effectLst>
                   <a:outerShdw blurRad="63500" dist="38099" dir="2700000" algn="ctr" rotWithShape="0">
                     <a:schemeClr val="bg2">
@@ -36828,17 +36828,17 @@
           <a:effectLst/>
           <a:extLst>
             <a:ext uri="{FAA26D3D-D897-4be2-8F04-BA451C77F1D7}">
-              <ma14:placeholderFlag xmlns="" xmlns:ma14="http://schemas.microsoft.com/office/mac/drawingml/2011/main" val="1"/>
+              <ma14:placeholderFlag xmlns:ma14="http://schemas.microsoft.com/office/mac/drawingml/2011/main" xmlns="" val="1"/>
             </a:ext>
             <a:ext uri="{909E8E84-426E-40dd-AFC4-6F175D3DCCD1}">
-              <a14:hiddenFill xmlns="" xmlns:a14="http://schemas.microsoft.com/office/drawing/2010/main">
+              <a14:hiddenFill xmlns:a14="http://schemas.microsoft.com/office/drawing/2010/main" xmlns="">
                 <a:solidFill>
                   <a:schemeClr val="bg1"/>
                 </a:solidFill>
               </a14:hiddenFill>
             </a:ext>
             <a:ext uri="{91240B29-F687-4f45-9708-019B960494DF}">
-              <a14:hiddenLine xmlns="" xmlns:a14="http://schemas.microsoft.com/office/drawing/2010/main" w="12700">
+              <a14:hiddenLine xmlns:a14="http://schemas.microsoft.com/office/drawing/2010/main" xmlns="" w="12700">
                 <a:pattFill prst="narHorz">
                   <a:fgClr>
                     <a:schemeClr val="tx1"/>
@@ -36853,7 +36853,7 @@
               </a14:hiddenLine>
             </a:ext>
             <a:ext uri="{AF507438-7753-43e0-B8FC-AC1667EBCBE1}">
-              <a14:hiddenEffects xmlns="" xmlns:a14="http://schemas.microsoft.com/office/drawing/2010/main">
+              <a14:hiddenEffects xmlns:a14="http://schemas.microsoft.com/office/drawing/2010/main" xmlns="">
                 <a:effectLst>
                   <a:outerShdw blurRad="63500" dist="38099" dir="2700000" algn="ctr" rotWithShape="0">
                     <a:schemeClr val="bg2">
@@ -38858,17 +38858,17 @@
           <a:effectLst/>
           <a:extLst>
             <a:ext uri="{FAA26D3D-D897-4be2-8F04-BA451C77F1D7}">
-              <ma14:placeholderFlag xmlns="" xmlns:ma14="http://schemas.microsoft.com/office/mac/drawingml/2011/main" val="1"/>
+              <ma14:placeholderFlag xmlns:ma14="http://schemas.microsoft.com/office/mac/drawingml/2011/main" xmlns="" val="1"/>
             </a:ext>
             <a:ext uri="{909E8E84-426E-40dd-AFC4-6F175D3DCCD1}">
-              <a14:hiddenFill xmlns="" xmlns:a14="http://schemas.microsoft.com/office/drawing/2010/main">
+              <a14:hiddenFill xmlns:a14="http://schemas.microsoft.com/office/drawing/2010/main" xmlns="">
                 <a:solidFill>
                   <a:schemeClr val="bg1"/>
                 </a:solidFill>
               </a14:hiddenFill>
             </a:ext>
             <a:ext uri="{91240B29-F687-4f45-9708-019B960494DF}">
-              <a14:hiddenLine xmlns="" xmlns:a14="http://schemas.microsoft.com/office/drawing/2010/main" w="12700">
+              <a14:hiddenLine xmlns:a14="http://schemas.microsoft.com/office/drawing/2010/main" xmlns="" w="12700">
                 <a:pattFill prst="narHorz">
                   <a:fgClr>
                     <a:schemeClr val="tx1"/>
@@ -38883,7 +38883,7 @@
               </a14:hiddenLine>
             </a:ext>
             <a:ext uri="{AF507438-7753-43e0-B8FC-AC1667EBCBE1}">
-              <a14:hiddenEffects xmlns="" xmlns:a14="http://schemas.microsoft.com/office/drawing/2010/main">
+              <a14:hiddenEffects xmlns:a14="http://schemas.microsoft.com/office/drawing/2010/main" xmlns="">
                 <a:effectLst>
                   <a:outerShdw blurRad="63500" dist="38099" dir="2700000" algn="ctr" rotWithShape="0">
                     <a:schemeClr val="bg2">
@@ -39070,6 +39070,16 @@
             <a:r>
               <a:rPr lang="en-GB" sz="2000" kern="0" dirty="0"/>
               <a:t>Q: Rewrite it to prefer readers</a:t>
+            </a:r>
+          </a:p>
+          <a:p>
+            <a:r>
+              <a:rPr lang="en-GB" sz="2000" kern="0" dirty="0"/>
+              <a:t>(See </a:t>
+            </a:r>
+            <a:r>
+              <a:rPr lang="en-GB" sz="2000" kern="0"/>
+              <a:t>lecture slides)</a:t>
             </a:r>
             <a:endParaRPr lang="en-SE" sz="2000" kern="0" dirty="0"/>
           </a:p>
@@ -39327,7 +39337,7 @@
         <a:effectLst/>
         <a:extLst>
           <a:ext uri="{AF507438-7753-43e0-B8FC-AC1667EBCBE1}">
-            <a14:hiddenEffects xmlns="" xmlns:a14="http://schemas.microsoft.com/office/drawing/2010/main">
+            <a14:hiddenEffects xmlns:a14="http://schemas.microsoft.com/office/drawing/2010/main" xmlns="">
               <a:effectLst>
                 <a:outerShdw dist="35921" dir="2700000" algn="ctr" rotWithShape="0">
                   <a:schemeClr val="bg2"/>
@@ -39400,7 +39410,7 @@
         <a:effectLst/>
         <a:extLst>
           <a:ext uri="{AF507438-7753-43e0-B8FC-AC1667EBCBE1}">
-            <a14:hiddenEffects xmlns="" xmlns:a14="http://schemas.microsoft.com/office/drawing/2010/main">
+            <a14:hiddenEffects xmlns:a14="http://schemas.microsoft.com/office/drawing/2010/main" xmlns="">
               <a:effectLst>
                 <a:outerShdw dist="35921" dir="2700000" algn="ctr" rotWithShape="0">
                   <a:schemeClr val="bg2"/>
